--- a/lecture21/slides21.pptx
+++ b/lecture21/slides21.pptx
@@ -5,7 +5,7 @@
     <p:sldMasterId id="2147483660" r:id="rId1"/>
   </p:sldMasterIdLst>
   <p:notesMasterIdLst>
-    <p:notesMasterId r:id="rId9"/>
+    <p:notesMasterId r:id="rId15"/>
   </p:notesMasterIdLst>
   <p:sldIdLst>
     <p:sldId id="261" r:id="rId2"/>
@@ -13,8 +13,14 @@
     <p:sldId id="272" r:id="rId4"/>
     <p:sldId id="273" r:id="rId5"/>
     <p:sldId id="274" r:id="rId6"/>
-    <p:sldId id="275" r:id="rId7"/>
-    <p:sldId id="276" r:id="rId8"/>
+    <p:sldId id="277" r:id="rId7"/>
+    <p:sldId id="278" r:id="rId8"/>
+    <p:sldId id="283" r:id="rId9"/>
+    <p:sldId id="279" r:id="rId10"/>
+    <p:sldId id="280" r:id="rId11"/>
+    <p:sldId id="281" r:id="rId12"/>
+    <p:sldId id="275" r:id="rId13"/>
+    <p:sldId id="276" r:id="rId14"/>
   </p:sldIdLst>
   <p:sldSz cx="12192000" cy="6858000"/>
   <p:notesSz cx="6858000" cy="9144000"/>
@@ -123,6 +129,12 @@
             <p14:sldId id="272"/>
             <p14:sldId id="273"/>
             <p14:sldId id="274"/>
+            <p14:sldId id="277"/>
+            <p14:sldId id="278"/>
+            <p14:sldId id="283"/>
+            <p14:sldId id="279"/>
+            <p14:sldId id="280"/>
+            <p14:sldId id="281"/>
             <p14:sldId id="275"/>
             <p14:sldId id="276"/>
           </p14:sldIdLst>
@@ -218,7 +230,7 @@
           <a:p>
             <a:fld id="{A2A25C9D-7505-473F-922A-515AEFAA7DE9}" type="datetimeFigureOut">
               <a:rPr lang="en-US" smtClean="0"/>
-              <a:t>1/28/2023</a:t>
+              <a:t>1/29/2023</a:t>
             </a:fld>
             <a:endParaRPr lang="en-US"/>
           </a:p>
@@ -485,6 +497,354 @@
 </p:notesMaster>
 </file>
 
+<file path=ppt/notesSlides/notesSlide1.xml><?xml version="1.0" encoding="utf-8"?>
+<p:notes xmlns:a="http://schemas.openxmlformats.org/drawingml/2006/main" xmlns:r="http://schemas.openxmlformats.org/officeDocument/2006/relationships" xmlns:p="http://schemas.openxmlformats.org/presentationml/2006/main">
+  <p:cSld>
+    <p:spTree>
+      <p:nvGrpSpPr>
+        <p:cNvPr id="1" name=""/>
+        <p:cNvGrpSpPr/>
+        <p:nvPr/>
+      </p:nvGrpSpPr>
+      <p:grpSpPr>
+        <a:xfrm>
+          <a:off x="0" y="0"/>
+          <a:ext cx="0" cy="0"/>
+          <a:chOff x="0" y="0"/>
+          <a:chExt cx="0" cy="0"/>
+        </a:xfrm>
+      </p:grpSpPr>
+      <p:sp>
+        <p:nvSpPr>
+          <p:cNvPr id="2" name="Slide Image Placeholder 1"/>
+          <p:cNvSpPr>
+            <a:spLocks noGrp="1" noRot="1" noChangeAspect="1"/>
+          </p:cNvSpPr>
+          <p:nvPr>
+            <p:ph type="sldImg"/>
+          </p:nvPr>
+        </p:nvSpPr>
+        <p:spPr/>
+      </p:sp>
+      <p:sp>
+        <p:nvSpPr>
+          <p:cNvPr id="3" name="Notes Placeholder 2"/>
+          <p:cNvSpPr>
+            <a:spLocks noGrp="1"/>
+          </p:cNvSpPr>
+          <p:nvPr>
+            <p:ph type="body" idx="1"/>
+          </p:nvPr>
+        </p:nvSpPr>
+        <p:spPr/>
+        <p:txBody>
+          <a:bodyPr/>
+          <a:lstStyle/>
+          <a:p>
+            <a:r>
+              <a:rPr lang="en-US" dirty="0"/>
+              <a:t>initialization</a:t>
+            </a:r>
+          </a:p>
+        </p:txBody>
+      </p:sp>
+      <p:sp>
+        <p:nvSpPr>
+          <p:cNvPr id="4" name="Slide Number Placeholder 3"/>
+          <p:cNvSpPr>
+            <a:spLocks noGrp="1"/>
+          </p:cNvSpPr>
+          <p:nvPr>
+            <p:ph type="sldNum" sz="quarter" idx="5"/>
+          </p:nvPr>
+        </p:nvSpPr>
+        <p:spPr/>
+        <p:txBody>
+          <a:bodyPr/>
+          <a:lstStyle/>
+          <a:p>
+            <a:fld id="{9B944635-1240-46BB-9D9A-CD95C0B9C677}" type="slidenum">
+              <a:rPr lang="en-US" smtClean="0"/>
+              <a:t>8</a:t>
+            </a:fld>
+            <a:endParaRPr lang="en-US"/>
+          </a:p>
+        </p:txBody>
+      </p:sp>
+    </p:spTree>
+    <p:extLst>
+      <p:ext uri="{BB962C8B-B14F-4D97-AF65-F5344CB8AC3E}">
+        <p14:creationId xmlns:p14="http://schemas.microsoft.com/office/powerpoint/2010/main" val="4231385091"/>
+      </p:ext>
+    </p:extLst>
+  </p:cSld>
+  <p:clrMapOvr>
+    <a:masterClrMapping/>
+  </p:clrMapOvr>
+</p:notes>
+</file>
+
+<file path=ppt/notesSlides/notesSlide2.xml><?xml version="1.0" encoding="utf-8"?>
+<p:notes xmlns:a="http://schemas.openxmlformats.org/drawingml/2006/main" xmlns:r="http://schemas.openxmlformats.org/officeDocument/2006/relationships" xmlns:p="http://schemas.openxmlformats.org/presentationml/2006/main">
+  <p:cSld>
+    <p:spTree>
+      <p:nvGrpSpPr>
+        <p:cNvPr id="1" name=""/>
+        <p:cNvGrpSpPr/>
+        <p:nvPr/>
+      </p:nvGrpSpPr>
+      <p:grpSpPr>
+        <a:xfrm>
+          <a:off x="0" y="0"/>
+          <a:ext cx="0" cy="0"/>
+          <a:chOff x="0" y="0"/>
+          <a:chExt cx="0" cy="0"/>
+        </a:xfrm>
+      </p:grpSpPr>
+      <p:sp>
+        <p:nvSpPr>
+          <p:cNvPr id="2" name="Slide Image Placeholder 1"/>
+          <p:cNvSpPr>
+            <a:spLocks noGrp="1" noRot="1" noChangeAspect="1"/>
+          </p:cNvSpPr>
+          <p:nvPr>
+            <p:ph type="sldImg"/>
+          </p:nvPr>
+        </p:nvSpPr>
+        <p:spPr/>
+      </p:sp>
+      <p:sp>
+        <p:nvSpPr>
+          <p:cNvPr id="3" name="Notes Placeholder 2"/>
+          <p:cNvSpPr>
+            <a:spLocks noGrp="1"/>
+          </p:cNvSpPr>
+          <p:nvPr>
+            <p:ph type="body" idx="1"/>
+          </p:nvPr>
+        </p:nvSpPr>
+        <p:spPr/>
+        <p:txBody>
+          <a:bodyPr/>
+          <a:lstStyle/>
+          <a:p>
+            <a:r>
+              <a:rPr lang="en-US" dirty="0"/>
+              <a:t>mounting</a:t>
+            </a:r>
+          </a:p>
+        </p:txBody>
+      </p:sp>
+      <p:sp>
+        <p:nvSpPr>
+          <p:cNvPr id="4" name="Slide Number Placeholder 3"/>
+          <p:cNvSpPr>
+            <a:spLocks noGrp="1"/>
+          </p:cNvSpPr>
+          <p:nvPr>
+            <p:ph type="sldNum" sz="quarter" idx="5"/>
+          </p:nvPr>
+        </p:nvSpPr>
+        <p:spPr/>
+        <p:txBody>
+          <a:bodyPr/>
+          <a:lstStyle/>
+          <a:p>
+            <a:fld id="{9B944635-1240-46BB-9D9A-CD95C0B9C677}" type="slidenum">
+              <a:rPr lang="en-US" smtClean="0"/>
+              <a:t>9</a:t>
+            </a:fld>
+            <a:endParaRPr lang="en-US"/>
+          </a:p>
+        </p:txBody>
+      </p:sp>
+    </p:spTree>
+    <p:extLst>
+      <p:ext uri="{BB962C8B-B14F-4D97-AF65-F5344CB8AC3E}">
+        <p14:creationId xmlns:p14="http://schemas.microsoft.com/office/powerpoint/2010/main" val="2472705024"/>
+      </p:ext>
+    </p:extLst>
+  </p:cSld>
+  <p:clrMapOvr>
+    <a:masterClrMapping/>
+  </p:clrMapOvr>
+</p:notes>
+</file>
+
+<file path=ppt/notesSlides/notesSlide3.xml><?xml version="1.0" encoding="utf-8"?>
+<p:notes xmlns:a="http://schemas.openxmlformats.org/drawingml/2006/main" xmlns:r="http://schemas.openxmlformats.org/officeDocument/2006/relationships" xmlns:p="http://schemas.openxmlformats.org/presentationml/2006/main">
+  <p:cSld>
+    <p:spTree>
+      <p:nvGrpSpPr>
+        <p:cNvPr id="1" name=""/>
+        <p:cNvGrpSpPr/>
+        <p:nvPr/>
+      </p:nvGrpSpPr>
+      <p:grpSpPr>
+        <a:xfrm>
+          <a:off x="0" y="0"/>
+          <a:ext cx="0" cy="0"/>
+          <a:chOff x="0" y="0"/>
+          <a:chExt cx="0" cy="0"/>
+        </a:xfrm>
+      </p:grpSpPr>
+      <p:sp>
+        <p:nvSpPr>
+          <p:cNvPr id="2" name="Slide Image Placeholder 1"/>
+          <p:cNvSpPr>
+            <a:spLocks noGrp="1" noRot="1" noChangeAspect="1"/>
+          </p:cNvSpPr>
+          <p:nvPr>
+            <p:ph type="sldImg"/>
+          </p:nvPr>
+        </p:nvSpPr>
+        <p:spPr/>
+      </p:sp>
+      <p:sp>
+        <p:nvSpPr>
+          <p:cNvPr id="3" name="Notes Placeholder 2"/>
+          <p:cNvSpPr>
+            <a:spLocks noGrp="1"/>
+          </p:cNvSpPr>
+          <p:nvPr>
+            <p:ph type="body" idx="1"/>
+          </p:nvPr>
+        </p:nvSpPr>
+        <p:spPr/>
+        <p:txBody>
+          <a:bodyPr/>
+          <a:lstStyle/>
+          <a:p>
+            <a:r>
+              <a:rPr lang="en-US" dirty="0"/>
+              <a:t>updating</a:t>
+            </a:r>
+          </a:p>
+        </p:txBody>
+      </p:sp>
+      <p:sp>
+        <p:nvSpPr>
+          <p:cNvPr id="4" name="Slide Number Placeholder 3"/>
+          <p:cNvSpPr>
+            <a:spLocks noGrp="1"/>
+          </p:cNvSpPr>
+          <p:nvPr>
+            <p:ph type="sldNum" sz="quarter" idx="5"/>
+          </p:nvPr>
+        </p:nvSpPr>
+        <p:spPr/>
+        <p:txBody>
+          <a:bodyPr/>
+          <a:lstStyle/>
+          <a:p>
+            <a:fld id="{9B944635-1240-46BB-9D9A-CD95C0B9C677}" type="slidenum">
+              <a:rPr lang="en-US" smtClean="0"/>
+              <a:t>10</a:t>
+            </a:fld>
+            <a:endParaRPr lang="en-US"/>
+          </a:p>
+        </p:txBody>
+      </p:sp>
+    </p:spTree>
+    <p:extLst>
+      <p:ext uri="{BB962C8B-B14F-4D97-AF65-F5344CB8AC3E}">
+        <p14:creationId xmlns:p14="http://schemas.microsoft.com/office/powerpoint/2010/main" val="2560074092"/>
+      </p:ext>
+    </p:extLst>
+  </p:cSld>
+  <p:clrMapOvr>
+    <a:masterClrMapping/>
+  </p:clrMapOvr>
+</p:notes>
+</file>
+
+<file path=ppt/notesSlides/notesSlide4.xml><?xml version="1.0" encoding="utf-8"?>
+<p:notes xmlns:a="http://schemas.openxmlformats.org/drawingml/2006/main" xmlns:r="http://schemas.openxmlformats.org/officeDocument/2006/relationships" xmlns:p="http://schemas.openxmlformats.org/presentationml/2006/main">
+  <p:cSld>
+    <p:spTree>
+      <p:nvGrpSpPr>
+        <p:cNvPr id="1" name=""/>
+        <p:cNvGrpSpPr/>
+        <p:nvPr/>
+      </p:nvGrpSpPr>
+      <p:grpSpPr>
+        <a:xfrm>
+          <a:off x="0" y="0"/>
+          <a:ext cx="0" cy="0"/>
+          <a:chOff x="0" y="0"/>
+          <a:chExt cx="0" cy="0"/>
+        </a:xfrm>
+      </p:grpSpPr>
+      <p:sp>
+        <p:nvSpPr>
+          <p:cNvPr id="2" name="Slide Image Placeholder 1"/>
+          <p:cNvSpPr>
+            <a:spLocks noGrp="1" noRot="1" noChangeAspect="1"/>
+          </p:cNvSpPr>
+          <p:nvPr>
+            <p:ph type="sldImg"/>
+          </p:nvPr>
+        </p:nvSpPr>
+        <p:spPr/>
+      </p:sp>
+      <p:sp>
+        <p:nvSpPr>
+          <p:cNvPr id="3" name="Notes Placeholder 2"/>
+          <p:cNvSpPr>
+            <a:spLocks noGrp="1"/>
+          </p:cNvSpPr>
+          <p:nvPr>
+            <p:ph type="body" idx="1"/>
+          </p:nvPr>
+        </p:nvSpPr>
+        <p:spPr/>
+        <p:txBody>
+          <a:bodyPr/>
+          <a:lstStyle/>
+          <a:p>
+            <a:r>
+              <a:rPr lang="en-US" dirty="0"/>
+              <a:t>unmounting</a:t>
+            </a:r>
+          </a:p>
+        </p:txBody>
+      </p:sp>
+      <p:sp>
+        <p:nvSpPr>
+          <p:cNvPr id="4" name="Slide Number Placeholder 3"/>
+          <p:cNvSpPr>
+            <a:spLocks noGrp="1"/>
+          </p:cNvSpPr>
+          <p:nvPr>
+            <p:ph type="sldNum" sz="quarter" idx="5"/>
+          </p:nvPr>
+        </p:nvSpPr>
+        <p:spPr/>
+        <p:txBody>
+          <a:bodyPr/>
+          <a:lstStyle/>
+          <a:p>
+            <a:fld id="{9B944635-1240-46BB-9D9A-CD95C0B9C677}" type="slidenum">
+              <a:rPr lang="en-US" smtClean="0"/>
+              <a:t>11</a:t>
+            </a:fld>
+            <a:endParaRPr lang="en-US"/>
+          </a:p>
+        </p:txBody>
+      </p:sp>
+    </p:spTree>
+    <p:extLst>
+      <p:ext uri="{BB962C8B-B14F-4D97-AF65-F5344CB8AC3E}">
+        <p14:creationId xmlns:p14="http://schemas.microsoft.com/office/powerpoint/2010/main" val="3684340813"/>
+      </p:ext>
+    </p:extLst>
+  </p:cSld>
+  <p:clrMapOvr>
+    <a:masterClrMapping/>
+  </p:clrMapOvr>
+</p:notes>
+</file>
+
 <file path=ppt/slideLayouts/slideLayout1.xml><?xml version="1.0" encoding="utf-8"?>
 <p:sldLayout xmlns:a="http://schemas.openxmlformats.org/drawingml/2006/main" xmlns:r="http://schemas.openxmlformats.org/officeDocument/2006/relationships" xmlns:p="http://schemas.openxmlformats.org/presentationml/2006/main" type="title" preserve="1">
   <p:cSld name="Title Slide">
@@ -616,7 +976,7 @@
           <a:p>
             <a:fld id="{1A89F7E7-1481-46FE-B33F-996DB858455B}" type="datetimeFigureOut">
               <a:rPr lang="en-US" smtClean="0"/>
-              <a:t>1/28/2023</a:t>
+              <a:t>1/29/2023</a:t>
             </a:fld>
             <a:endParaRPr lang="en-US"/>
           </a:p>
@@ -786,7 +1146,7 @@
           <a:p>
             <a:fld id="{1A89F7E7-1481-46FE-B33F-996DB858455B}" type="datetimeFigureOut">
               <a:rPr lang="en-US" smtClean="0"/>
-              <a:t>1/28/2023</a:t>
+              <a:t>1/29/2023</a:t>
             </a:fld>
             <a:endParaRPr lang="en-US"/>
           </a:p>
@@ -966,7 +1326,7 @@
           <a:p>
             <a:fld id="{1A89F7E7-1481-46FE-B33F-996DB858455B}" type="datetimeFigureOut">
               <a:rPr lang="en-US" smtClean="0"/>
-              <a:t>1/28/2023</a:t>
+              <a:t>1/29/2023</a:t>
             </a:fld>
             <a:endParaRPr lang="en-US"/>
           </a:p>
@@ -1136,7 +1496,7 @@
           <a:p>
             <a:fld id="{1A89F7E7-1481-46FE-B33F-996DB858455B}" type="datetimeFigureOut">
               <a:rPr lang="en-US" smtClean="0"/>
-              <a:t>1/28/2023</a:t>
+              <a:t>1/29/2023</a:t>
             </a:fld>
             <a:endParaRPr lang="en-US"/>
           </a:p>
@@ -1382,7 +1742,7 @@
           <a:p>
             <a:fld id="{1A89F7E7-1481-46FE-B33F-996DB858455B}" type="datetimeFigureOut">
               <a:rPr lang="en-US" smtClean="0"/>
-              <a:t>1/28/2023</a:t>
+              <a:t>1/29/2023</a:t>
             </a:fld>
             <a:endParaRPr lang="en-US"/>
           </a:p>
@@ -1614,7 +1974,7 @@
           <a:p>
             <a:fld id="{1A89F7E7-1481-46FE-B33F-996DB858455B}" type="datetimeFigureOut">
               <a:rPr lang="en-US" smtClean="0"/>
-              <a:t>1/28/2023</a:t>
+              <a:t>1/29/2023</a:t>
             </a:fld>
             <a:endParaRPr lang="en-US"/>
           </a:p>
@@ -1981,7 +2341,7 @@
           <a:p>
             <a:fld id="{1A89F7E7-1481-46FE-B33F-996DB858455B}" type="datetimeFigureOut">
               <a:rPr lang="en-US" smtClean="0"/>
-              <a:t>1/28/2023</a:t>
+              <a:t>1/29/2023</a:t>
             </a:fld>
             <a:endParaRPr lang="en-US"/>
           </a:p>
@@ -2099,7 +2459,7 @@
           <a:p>
             <a:fld id="{1A89F7E7-1481-46FE-B33F-996DB858455B}" type="datetimeFigureOut">
               <a:rPr lang="en-US" smtClean="0"/>
-              <a:t>1/28/2023</a:t>
+              <a:t>1/29/2023</a:t>
             </a:fld>
             <a:endParaRPr lang="en-US"/>
           </a:p>
@@ -2194,7 +2554,7 @@
           <a:p>
             <a:fld id="{1A89F7E7-1481-46FE-B33F-996DB858455B}" type="datetimeFigureOut">
               <a:rPr lang="en-US" smtClean="0"/>
-              <a:t>1/28/2023</a:t>
+              <a:t>1/29/2023</a:t>
             </a:fld>
             <a:endParaRPr lang="en-US"/>
           </a:p>
@@ -2471,7 +2831,7 @@
           <a:p>
             <a:fld id="{1A89F7E7-1481-46FE-B33F-996DB858455B}" type="datetimeFigureOut">
               <a:rPr lang="en-US" smtClean="0"/>
-              <a:t>1/28/2023</a:t>
+              <a:t>1/29/2023</a:t>
             </a:fld>
             <a:endParaRPr lang="en-US"/>
           </a:p>
@@ -2728,7 +3088,7 @@
           <a:p>
             <a:fld id="{1A89F7E7-1481-46FE-B33F-996DB858455B}" type="datetimeFigureOut">
               <a:rPr lang="en-US" smtClean="0"/>
-              <a:t>1/28/2023</a:t>
+              <a:t>1/29/2023</a:t>
             </a:fld>
             <a:endParaRPr lang="en-US"/>
           </a:p>
@@ -2941,7 +3301,7 @@
           <a:p>
             <a:fld id="{1A89F7E7-1481-46FE-B33F-996DB858455B}" type="datetimeFigureOut">
               <a:rPr lang="en-US" smtClean="0"/>
-              <a:t>1/28/2023</a:t>
+              <a:t>1/29/2023</a:t>
             </a:fld>
             <a:endParaRPr lang="en-US"/>
           </a:p>
@@ -3392,6 +3752,417 @@
 </p:sld>
 </file>
 
+<file path=ppt/slides/slide10.xml><?xml version="1.0" encoding="utf-8"?>
+<p:sld xmlns:a="http://schemas.openxmlformats.org/drawingml/2006/main" xmlns:r="http://schemas.openxmlformats.org/officeDocument/2006/relationships" xmlns:p="http://schemas.openxmlformats.org/presentationml/2006/main">
+  <p:cSld>
+    <p:spTree>
+      <p:nvGrpSpPr>
+        <p:cNvPr id="1" name=""/>
+        <p:cNvGrpSpPr/>
+        <p:nvPr/>
+      </p:nvGrpSpPr>
+      <p:grpSpPr>
+        <a:xfrm>
+          <a:off x="0" y="0"/>
+          <a:ext cx="0" cy="0"/>
+          <a:chOff x="0" y="0"/>
+          <a:chExt cx="0" cy="0"/>
+        </a:xfrm>
+      </p:grpSpPr>
+      <p:sp>
+        <p:nvSpPr>
+          <p:cNvPr id="3" name="Rectangle 2">
+            <a:extLst>
+              <a:ext uri="{FF2B5EF4-FFF2-40B4-BE49-F238E27FC236}">
+                <a16:creationId xmlns:a16="http://schemas.microsoft.com/office/drawing/2014/main" id="{BA9F9EEF-37AA-873D-E7E5-C76573DFCF75}"/>
+              </a:ext>
+            </a:extLst>
+          </p:cNvPr>
+          <p:cNvSpPr/>
+          <p:nvPr/>
+        </p:nvSpPr>
+        <p:spPr>
+          <a:xfrm>
+            <a:off x="3668597" y="1357458"/>
+            <a:ext cx="4647415" cy="4326903"/>
+          </a:xfrm>
+          <a:prstGeom prst="rect">
+            <a:avLst/>
+          </a:prstGeom>
+          <a:noFill/>
+          <a:ln w="28575">
+            <a:solidFill>
+              <a:schemeClr val="tx1"/>
+            </a:solidFill>
+          </a:ln>
+        </p:spPr>
+        <p:style>
+          <a:lnRef idx="2">
+            <a:schemeClr val="accent1">
+              <a:shade val="50000"/>
+            </a:schemeClr>
+          </a:lnRef>
+          <a:fillRef idx="1">
+            <a:schemeClr val="accent1"/>
+          </a:fillRef>
+          <a:effectRef idx="0">
+            <a:schemeClr val="accent1"/>
+          </a:effectRef>
+          <a:fontRef idx="minor">
+            <a:schemeClr val="lt1"/>
+          </a:fontRef>
+        </p:style>
+        <p:txBody>
+          <a:bodyPr rtlCol="0" anchor="ctr"/>
+          <a:lstStyle/>
+          <a:p>
+            <a:pPr algn="ctr"/>
+            <a:endParaRPr lang="en-US"/>
+          </a:p>
+        </p:txBody>
+      </p:sp>
+      <p:sp>
+        <p:nvSpPr>
+          <p:cNvPr id="4" name="TextBox 3">
+            <a:extLst>
+              <a:ext uri="{FF2B5EF4-FFF2-40B4-BE49-F238E27FC236}">
+                <a16:creationId xmlns:a16="http://schemas.microsoft.com/office/drawing/2014/main" id="{35B64C09-7D1D-6718-6C9D-AAE33A9C111F}"/>
+              </a:ext>
+            </a:extLst>
+          </p:cNvPr>
+          <p:cNvSpPr txBox="1"/>
+          <p:nvPr/>
+        </p:nvSpPr>
+        <p:spPr>
+          <a:xfrm>
+            <a:off x="2883801" y="1357458"/>
+            <a:ext cx="2404635" cy="369332"/>
+          </a:xfrm>
+          <a:prstGeom prst="rect">
+            <a:avLst/>
+          </a:prstGeom>
+          <a:noFill/>
+          <a:ln w="28575">
+            <a:noFill/>
+          </a:ln>
+        </p:spPr>
+        <p:txBody>
+          <a:bodyPr wrap="square" rtlCol="0">
+            <a:spAutoFit/>
+          </a:bodyPr>
+          <a:lstStyle/>
+          <a:p>
+            <a:pPr algn="ctr"/>
+            <a:r>
+              <a:rPr lang="en-US" dirty="0"/>
+              <a:t>DOM</a:t>
+            </a:r>
+            <a:endParaRPr lang="en-US" sz="2667" dirty="0"/>
+          </a:p>
+        </p:txBody>
+      </p:sp>
+      <p:sp>
+        <p:nvSpPr>
+          <p:cNvPr id="8" name="TextBox 7">
+            <a:extLst>
+              <a:ext uri="{FF2B5EF4-FFF2-40B4-BE49-F238E27FC236}">
+                <a16:creationId xmlns:a16="http://schemas.microsoft.com/office/drawing/2014/main" id="{2942FD47-C905-4D4A-5E79-08E2E14C4C29}"/>
+              </a:ext>
+            </a:extLst>
+          </p:cNvPr>
+          <p:cNvSpPr txBox="1"/>
+          <p:nvPr/>
+        </p:nvSpPr>
+        <p:spPr>
+          <a:xfrm>
+            <a:off x="4789986" y="3177617"/>
+            <a:ext cx="2404635" cy="502766"/>
+          </a:xfrm>
+          <a:prstGeom prst="rect">
+            <a:avLst/>
+          </a:prstGeom>
+          <a:noFill/>
+          <a:ln w="28575">
+            <a:solidFill>
+              <a:schemeClr val="tx1"/>
+            </a:solidFill>
+          </a:ln>
+        </p:spPr>
+        <p:txBody>
+          <a:bodyPr wrap="square" rtlCol="0">
+            <a:spAutoFit/>
+          </a:bodyPr>
+          <a:lstStyle/>
+          <a:p>
+            <a:pPr algn="ctr"/>
+            <a:r>
+              <a:rPr lang="en-US" sz="2667" dirty="0"/>
+              <a:t>Count: </a:t>
+            </a:r>
+            <a:r>
+              <a:rPr lang="en-US" sz="2667" dirty="0">
+                <a:solidFill>
+                  <a:srgbClr val="FFFF00"/>
+                </a:solidFill>
+              </a:rPr>
+              <a:t>2</a:t>
+            </a:r>
+          </a:p>
+        </p:txBody>
+      </p:sp>
+    </p:spTree>
+    <p:extLst>
+      <p:ext uri="{BB962C8B-B14F-4D97-AF65-F5344CB8AC3E}">
+        <p14:creationId xmlns:p14="http://schemas.microsoft.com/office/powerpoint/2010/main" val="936057178"/>
+      </p:ext>
+    </p:extLst>
+  </p:cSld>
+  <p:clrMapOvr>
+    <a:masterClrMapping/>
+  </p:clrMapOvr>
+</p:sld>
+</file>
+
+<file path=ppt/slides/slide11.xml><?xml version="1.0" encoding="utf-8"?>
+<p:sld xmlns:a="http://schemas.openxmlformats.org/drawingml/2006/main" xmlns:r="http://schemas.openxmlformats.org/officeDocument/2006/relationships" xmlns:p="http://schemas.openxmlformats.org/presentationml/2006/main">
+  <p:cSld>
+    <p:spTree>
+      <p:nvGrpSpPr>
+        <p:cNvPr id="1" name=""/>
+        <p:cNvGrpSpPr/>
+        <p:nvPr/>
+      </p:nvGrpSpPr>
+      <p:grpSpPr>
+        <a:xfrm>
+          <a:off x="0" y="0"/>
+          <a:ext cx="0" cy="0"/>
+          <a:chOff x="0" y="0"/>
+          <a:chExt cx="0" cy="0"/>
+        </a:xfrm>
+      </p:grpSpPr>
+      <p:sp>
+        <p:nvSpPr>
+          <p:cNvPr id="3" name="Rectangle 2">
+            <a:extLst>
+              <a:ext uri="{FF2B5EF4-FFF2-40B4-BE49-F238E27FC236}">
+                <a16:creationId xmlns:a16="http://schemas.microsoft.com/office/drawing/2014/main" id="{BA9F9EEF-37AA-873D-E7E5-C76573DFCF75}"/>
+              </a:ext>
+            </a:extLst>
+          </p:cNvPr>
+          <p:cNvSpPr/>
+          <p:nvPr/>
+        </p:nvSpPr>
+        <p:spPr>
+          <a:xfrm>
+            <a:off x="3668597" y="1357458"/>
+            <a:ext cx="4647415" cy="4326903"/>
+          </a:xfrm>
+          <a:prstGeom prst="rect">
+            <a:avLst/>
+          </a:prstGeom>
+          <a:noFill/>
+          <a:ln w="28575">
+            <a:solidFill>
+              <a:schemeClr val="tx1"/>
+            </a:solidFill>
+          </a:ln>
+        </p:spPr>
+        <p:style>
+          <a:lnRef idx="2">
+            <a:schemeClr val="accent1">
+              <a:shade val="50000"/>
+            </a:schemeClr>
+          </a:lnRef>
+          <a:fillRef idx="1">
+            <a:schemeClr val="accent1"/>
+          </a:fillRef>
+          <a:effectRef idx="0">
+            <a:schemeClr val="accent1"/>
+          </a:effectRef>
+          <a:fontRef idx="minor">
+            <a:schemeClr val="lt1"/>
+          </a:fontRef>
+        </p:style>
+        <p:txBody>
+          <a:bodyPr rtlCol="0" anchor="ctr"/>
+          <a:lstStyle/>
+          <a:p>
+            <a:pPr algn="ctr"/>
+            <a:endParaRPr lang="en-US"/>
+          </a:p>
+        </p:txBody>
+      </p:sp>
+      <p:sp>
+        <p:nvSpPr>
+          <p:cNvPr id="4" name="TextBox 3">
+            <a:extLst>
+              <a:ext uri="{FF2B5EF4-FFF2-40B4-BE49-F238E27FC236}">
+                <a16:creationId xmlns:a16="http://schemas.microsoft.com/office/drawing/2014/main" id="{35B64C09-7D1D-6718-6C9D-AAE33A9C111F}"/>
+              </a:ext>
+            </a:extLst>
+          </p:cNvPr>
+          <p:cNvSpPr txBox="1"/>
+          <p:nvPr/>
+        </p:nvSpPr>
+        <p:spPr>
+          <a:xfrm>
+            <a:off x="2883801" y="1357458"/>
+            <a:ext cx="2404635" cy="369332"/>
+          </a:xfrm>
+          <a:prstGeom prst="rect">
+            <a:avLst/>
+          </a:prstGeom>
+          <a:noFill/>
+          <a:ln w="28575">
+            <a:noFill/>
+          </a:ln>
+        </p:spPr>
+        <p:txBody>
+          <a:bodyPr wrap="square" rtlCol="0">
+            <a:spAutoFit/>
+          </a:bodyPr>
+          <a:lstStyle/>
+          <a:p>
+            <a:pPr algn="ctr"/>
+            <a:r>
+              <a:rPr lang="en-US" dirty="0"/>
+              <a:t>DOM</a:t>
+            </a:r>
+            <a:endParaRPr lang="en-US" sz="2667" dirty="0"/>
+          </a:p>
+        </p:txBody>
+      </p:sp>
+    </p:spTree>
+    <p:extLst>
+      <p:ext uri="{BB962C8B-B14F-4D97-AF65-F5344CB8AC3E}">
+        <p14:creationId xmlns:p14="http://schemas.microsoft.com/office/powerpoint/2010/main" val="3718637088"/>
+      </p:ext>
+    </p:extLst>
+  </p:cSld>
+  <p:clrMapOvr>
+    <a:masterClrMapping/>
+  </p:clrMapOvr>
+</p:sld>
+</file>
+
+<file path=ppt/slides/slide12.xml><?xml version="1.0" encoding="utf-8"?>
+<p:sld xmlns:a="http://schemas.openxmlformats.org/drawingml/2006/main" xmlns:r="http://schemas.openxmlformats.org/officeDocument/2006/relationships" xmlns:p="http://schemas.openxmlformats.org/presentationml/2006/main">
+  <p:cSld>
+    <p:spTree>
+      <p:nvGrpSpPr>
+        <p:cNvPr id="1" name=""/>
+        <p:cNvGrpSpPr/>
+        <p:nvPr/>
+      </p:nvGrpSpPr>
+      <p:grpSpPr>
+        <a:xfrm>
+          <a:off x="0" y="0"/>
+          <a:ext cx="0" cy="0"/>
+          <a:chOff x="0" y="0"/>
+          <a:chExt cx="0" cy="0"/>
+        </a:xfrm>
+      </p:grpSpPr>
+      <p:sp>
+        <p:nvSpPr>
+          <p:cNvPr id="4" name="Title 3">
+            <a:extLst>
+              <a:ext uri="{FF2B5EF4-FFF2-40B4-BE49-F238E27FC236}">
+                <a16:creationId xmlns:a16="http://schemas.microsoft.com/office/drawing/2014/main" id="{6847062A-D4F0-C383-C1D3-CDDCF16D4332}"/>
+              </a:ext>
+            </a:extLst>
+          </p:cNvPr>
+          <p:cNvSpPr>
+            <a:spLocks noGrp="1"/>
+          </p:cNvSpPr>
+          <p:nvPr>
+            <p:ph type="ctrTitle"/>
+          </p:nvPr>
+        </p:nvSpPr>
+        <p:spPr/>
+        <p:txBody>
+          <a:bodyPr/>
+          <a:lstStyle/>
+          <a:p>
+            <a:r>
+              <a:rPr lang="en-US" b="1" dirty="0" err="1"/>
+              <a:t>useRef</a:t>
+            </a:r>
+            <a:endParaRPr lang="en-US" b="1" dirty="0"/>
+          </a:p>
+        </p:txBody>
+      </p:sp>
+    </p:spTree>
+    <p:extLst>
+      <p:ext uri="{BB962C8B-B14F-4D97-AF65-F5344CB8AC3E}">
+        <p14:creationId xmlns:p14="http://schemas.microsoft.com/office/powerpoint/2010/main" val="3059022969"/>
+      </p:ext>
+    </p:extLst>
+  </p:cSld>
+  <p:clrMapOvr>
+    <a:masterClrMapping/>
+  </p:clrMapOvr>
+</p:sld>
+</file>
+
+<file path=ppt/slides/slide13.xml><?xml version="1.0" encoding="utf-8"?>
+<p:sld xmlns:a="http://schemas.openxmlformats.org/drawingml/2006/main" xmlns:r="http://schemas.openxmlformats.org/officeDocument/2006/relationships" xmlns:p="http://schemas.openxmlformats.org/presentationml/2006/main">
+  <p:cSld>
+    <p:spTree>
+      <p:nvGrpSpPr>
+        <p:cNvPr id="1" name=""/>
+        <p:cNvGrpSpPr/>
+        <p:nvPr/>
+      </p:nvGrpSpPr>
+      <p:grpSpPr>
+        <a:xfrm>
+          <a:off x="0" y="0"/>
+          <a:ext cx="0" cy="0"/>
+          <a:chOff x="0" y="0"/>
+          <a:chExt cx="0" cy="0"/>
+        </a:xfrm>
+      </p:grpSpPr>
+      <p:sp>
+        <p:nvSpPr>
+          <p:cNvPr id="4" name="Title 3">
+            <a:extLst>
+              <a:ext uri="{FF2B5EF4-FFF2-40B4-BE49-F238E27FC236}">
+                <a16:creationId xmlns:a16="http://schemas.microsoft.com/office/drawing/2014/main" id="{6847062A-D4F0-C383-C1D3-CDDCF16D4332}"/>
+              </a:ext>
+            </a:extLst>
+          </p:cNvPr>
+          <p:cNvSpPr>
+            <a:spLocks noGrp="1"/>
+          </p:cNvSpPr>
+          <p:nvPr>
+            <p:ph type="ctrTitle"/>
+          </p:nvPr>
+        </p:nvSpPr>
+        <p:spPr/>
+        <p:txBody>
+          <a:bodyPr/>
+          <a:lstStyle/>
+          <a:p>
+            <a:r>
+              <a:rPr lang="en-US" b="1"/>
+              <a:t>Context</a:t>
+            </a:r>
+            <a:endParaRPr lang="en-US" b="1" dirty="0"/>
+          </a:p>
+        </p:txBody>
+      </p:sp>
+    </p:spTree>
+    <p:extLst>
+      <p:ext uri="{BB962C8B-B14F-4D97-AF65-F5344CB8AC3E}">
+        <p14:creationId xmlns:p14="http://schemas.microsoft.com/office/powerpoint/2010/main" val="1755148047"/>
+      </p:ext>
+    </p:extLst>
+  </p:cSld>
+  <p:clrMapOvr>
+    <a:masterClrMapping/>
+  </p:clrMapOvr>
+</p:sld>
+</file>
+
 <file path=ppt/slides/slide2.xml><?xml version="1.0" encoding="utf-8"?>
 <p:sld xmlns:a="http://schemas.openxmlformats.org/drawingml/2006/main" xmlns:r="http://schemas.openxmlformats.org/officeDocument/2006/relationships" xmlns:p="http://schemas.openxmlformats.org/presentationml/2006/main">
   <p:cSld>
@@ -3704,37 +4475,219 @@
       </p:grpSpPr>
       <p:sp>
         <p:nvSpPr>
-          <p:cNvPr id="4" name="Title 3">
+          <p:cNvPr id="5" name="TextBox 4">
             <a:extLst>
               <a:ext uri="{FF2B5EF4-FFF2-40B4-BE49-F238E27FC236}">
-                <a16:creationId xmlns:a16="http://schemas.microsoft.com/office/drawing/2014/main" id="{6847062A-D4F0-C383-C1D3-CDDCF16D4332}"/>
+                <a16:creationId xmlns:a16="http://schemas.microsoft.com/office/drawing/2014/main" id="{316107CB-BD51-19FB-3599-24CD828A104A}"/>
               </a:ext>
             </a:extLst>
           </p:cNvPr>
-          <p:cNvSpPr>
-            <a:spLocks noGrp="1"/>
-          </p:cNvSpPr>
-          <p:nvPr>
-            <p:ph type="ctrTitle"/>
-          </p:nvPr>
-        </p:nvSpPr>
-        <p:spPr/>
-        <p:txBody>
-          <a:bodyPr/>
-          <a:lstStyle/>
-          <a:p>
-            <a:r>
-              <a:rPr lang="en-US" b="1" dirty="0" err="1"/>
-              <a:t>useRef</a:t>
-            </a:r>
-            <a:endParaRPr lang="en-US" b="1" dirty="0"/>
-          </a:p>
-        </p:txBody>
-      </p:sp>
+          <p:cNvSpPr txBox="1"/>
+          <p:nvPr/>
+        </p:nvSpPr>
+        <p:spPr>
+          <a:xfrm>
+            <a:off x="913600" y="3177617"/>
+            <a:ext cx="2404635" cy="502766"/>
+          </a:xfrm>
+          <a:prstGeom prst="rect">
+            <a:avLst/>
+          </a:prstGeom>
+          <a:noFill/>
+          <a:ln w="28575">
+            <a:solidFill>
+              <a:schemeClr val="tx1"/>
+            </a:solidFill>
+          </a:ln>
+        </p:spPr>
+        <p:txBody>
+          <a:bodyPr wrap="square" rtlCol="0">
+            <a:spAutoFit/>
+          </a:bodyPr>
+          <a:lstStyle/>
+          <a:p>
+            <a:pPr algn="ctr"/>
+            <a:r>
+              <a:rPr lang="en-US" sz="2667" dirty="0"/>
+              <a:t>Mounting</a:t>
+            </a:r>
+          </a:p>
+        </p:txBody>
+      </p:sp>
+      <p:sp>
+        <p:nvSpPr>
+          <p:cNvPr id="6" name="TextBox 5">
+            <a:extLst>
+              <a:ext uri="{FF2B5EF4-FFF2-40B4-BE49-F238E27FC236}">
+                <a16:creationId xmlns:a16="http://schemas.microsoft.com/office/drawing/2014/main" id="{F6BD9C4D-D6FB-9480-DF98-83A48A854DBE}"/>
+              </a:ext>
+            </a:extLst>
+          </p:cNvPr>
+          <p:cNvSpPr txBox="1"/>
+          <p:nvPr/>
+        </p:nvSpPr>
+        <p:spPr>
+          <a:xfrm>
+            <a:off x="4893682" y="3177617"/>
+            <a:ext cx="2404635" cy="502766"/>
+          </a:xfrm>
+          <a:prstGeom prst="rect">
+            <a:avLst/>
+          </a:prstGeom>
+          <a:noFill/>
+          <a:ln w="28575">
+            <a:solidFill>
+              <a:schemeClr val="tx1"/>
+            </a:solidFill>
+          </a:ln>
+        </p:spPr>
+        <p:txBody>
+          <a:bodyPr wrap="square" rtlCol="0">
+            <a:spAutoFit/>
+          </a:bodyPr>
+          <a:lstStyle/>
+          <a:p>
+            <a:pPr algn="ctr"/>
+            <a:r>
+              <a:rPr lang="en-US" sz="2667" dirty="0"/>
+              <a:t>Updating</a:t>
+            </a:r>
+          </a:p>
+        </p:txBody>
+      </p:sp>
+      <p:sp>
+        <p:nvSpPr>
+          <p:cNvPr id="7" name="TextBox 6">
+            <a:extLst>
+              <a:ext uri="{FF2B5EF4-FFF2-40B4-BE49-F238E27FC236}">
+                <a16:creationId xmlns:a16="http://schemas.microsoft.com/office/drawing/2014/main" id="{F2764775-D71C-C1C2-F46A-1623873AB598}"/>
+              </a:ext>
+            </a:extLst>
+          </p:cNvPr>
+          <p:cNvSpPr txBox="1"/>
+          <p:nvPr/>
+        </p:nvSpPr>
+        <p:spPr>
+          <a:xfrm>
+            <a:off x="8873765" y="3177617"/>
+            <a:ext cx="2404635" cy="502766"/>
+          </a:xfrm>
+          <a:prstGeom prst="rect">
+            <a:avLst/>
+          </a:prstGeom>
+          <a:noFill/>
+          <a:ln w="28575">
+            <a:solidFill>
+              <a:schemeClr val="tx1"/>
+            </a:solidFill>
+          </a:ln>
+        </p:spPr>
+        <p:txBody>
+          <a:bodyPr wrap="square" rtlCol="0">
+            <a:spAutoFit/>
+          </a:bodyPr>
+          <a:lstStyle/>
+          <a:p>
+            <a:pPr algn="ctr"/>
+            <a:r>
+              <a:rPr lang="en-US" sz="2667" dirty="0"/>
+              <a:t>Unmounting</a:t>
+            </a:r>
+          </a:p>
+        </p:txBody>
+      </p:sp>
+      <p:cxnSp>
+        <p:nvCxnSpPr>
+          <p:cNvPr id="9" name="Straight Arrow Connector 8">
+            <a:extLst>
+              <a:ext uri="{FF2B5EF4-FFF2-40B4-BE49-F238E27FC236}">
+                <a16:creationId xmlns:a16="http://schemas.microsoft.com/office/drawing/2014/main" id="{E59BE84A-784B-1ED1-29DD-FE2DEEEBE97E}"/>
+              </a:ext>
+            </a:extLst>
+          </p:cNvPr>
+          <p:cNvCxnSpPr>
+            <a:cxnSpLocks/>
+          </p:cNvCxnSpPr>
+          <p:nvPr/>
+        </p:nvCxnSpPr>
+        <p:spPr>
+          <a:xfrm>
+            <a:off x="3528767" y="3426643"/>
+            <a:ext cx="1212915" cy="0"/>
+          </a:xfrm>
+          <a:prstGeom prst="straightConnector1">
+            <a:avLst/>
+          </a:prstGeom>
+          <a:ln w="28575">
+            <a:solidFill>
+              <a:schemeClr val="tx1"/>
+            </a:solidFill>
+            <a:tailEnd type="triangle"/>
+          </a:ln>
+        </p:spPr>
+        <p:style>
+          <a:lnRef idx="1">
+            <a:schemeClr val="accent1"/>
+          </a:lnRef>
+          <a:fillRef idx="0">
+            <a:schemeClr val="accent1"/>
+          </a:fillRef>
+          <a:effectRef idx="0">
+            <a:schemeClr val="accent1"/>
+          </a:effectRef>
+          <a:fontRef idx="minor">
+            <a:schemeClr val="tx1"/>
+          </a:fontRef>
+        </p:style>
+      </p:cxnSp>
+      <p:cxnSp>
+        <p:nvCxnSpPr>
+          <p:cNvPr id="10" name="Straight Arrow Connector 9">
+            <a:extLst>
+              <a:ext uri="{FF2B5EF4-FFF2-40B4-BE49-F238E27FC236}">
+                <a16:creationId xmlns:a16="http://schemas.microsoft.com/office/drawing/2014/main" id="{A5FF3E53-9CF0-4088-1879-B04E3F7F0833}"/>
+              </a:ext>
+            </a:extLst>
+          </p:cNvPr>
+          <p:cNvCxnSpPr>
+            <a:cxnSpLocks/>
+          </p:cNvCxnSpPr>
+          <p:nvPr/>
+        </p:nvCxnSpPr>
+        <p:spPr>
+          <a:xfrm>
+            <a:off x="7560297" y="3426643"/>
+            <a:ext cx="1102936" cy="0"/>
+          </a:xfrm>
+          <a:prstGeom prst="straightConnector1">
+            <a:avLst/>
+          </a:prstGeom>
+          <a:ln w="28575">
+            <a:solidFill>
+              <a:schemeClr val="tx1"/>
+            </a:solidFill>
+            <a:tailEnd type="triangle"/>
+          </a:ln>
+        </p:spPr>
+        <p:style>
+          <a:lnRef idx="1">
+            <a:schemeClr val="accent1"/>
+          </a:lnRef>
+          <a:fillRef idx="0">
+            <a:schemeClr val="accent1"/>
+          </a:fillRef>
+          <a:effectRef idx="0">
+            <a:schemeClr val="accent1"/>
+          </a:effectRef>
+          <a:fontRef idx="minor">
+            <a:schemeClr val="tx1"/>
+          </a:fontRef>
+        </p:style>
+      </p:cxnSp>
     </p:spTree>
     <p:extLst>
       <p:ext uri="{BB962C8B-B14F-4D97-AF65-F5344CB8AC3E}">
-        <p14:creationId xmlns:p14="http://schemas.microsoft.com/office/powerpoint/2010/main" val="3059022969"/>
+        <p14:creationId xmlns:p14="http://schemas.microsoft.com/office/powerpoint/2010/main" val="3845052454"/>
       </p:ext>
     </p:extLst>
   </p:cSld>
@@ -3763,37 +4716,426 @@
       </p:grpSpPr>
       <p:sp>
         <p:nvSpPr>
-          <p:cNvPr id="4" name="Title 3">
+          <p:cNvPr id="3" name="Rectangle 2">
             <a:extLst>
               <a:ext uri="{FF2B5EF4-FFF2-40B4-BE49-F238E27FC236}">
-                <a16:creationId xmlns:a16="http://schemas.microsoft.com/office/drawing/2014/main" id="{6847062A-D4F0-C383-C1D3-CDDCF16D4332}"/>
+                <a16:creationId xmlns:a16="http://schemas.microsoft.com/office/drawing/2014/main" id="{BA9F9EEF-37AA-873D-E7E5-C76573DFCF75}"/>
               </a:ext>
             </a:extLst>
           </p:cNvPr>
-          <p:cNvSpPr>
-            <a:spLocks noGrp="1"/>
-          </p:cNvSpPr>
-          <p:nvPr>
-            <p:ph type="ctrTitle"/>
-          </p:nvPr>
-        </p:nvSpPr>
-        <p:spPr/>
-        <p:txBody>
-          <a:bodyPr/>
-          <a:lstStyle/>
-          <a:p>
-            <a:r>
-              <a:rPr lang="en-US" b="1"/>
-              <a:t>Context</a:t>
-            </a:r>
-            <a:endParaRPr lang="en-US" b="1" dirty="0"/>
+          <p:cNvSpPr/>
+          <p:nvPr/>
+        </p:nvSpPr>
+        <p:spPr>
+          <a:xfrm>
+            <a:off x="3668597" y="1357458"/>
+            <a:ext cx="4647415" cy="4326903"/>
+          </a:xfrm>
+          <a:prstGeom prst="rect">
+            <a:avLst/>
+          </a:prstGeom>
+          <a:noFill/>
+          <a:ln w="28575">
+            <a:solidFill>
+              <a:schemeClr val="tx1"/>
+            </a:solidFill>
+          </a:ln>
+        </p:spPr>
+        <p:style>
+          <a:lnRef idx="2">
+            <a:schemeClr val="accent1">
+              <a:shade val="50000"/>
+            </a:schemeClr>
+          </a:lnRef>
+          <a:fillRef idx="1">
+            <a:schemeClr val="accent1"/>
+          </a:fillRef>
+          <a:effectRef idx="0">
+            <a:schemeClr val="accent1"/>
+          </a:effectRef>
+          <a:fontRef idx="minor">
+            <a:schemeClr val="lt1"/>
+          </a:fontRef>
+        </p:style>
+        <p:txBody>
+          <a:bodyPr rtlCol="0" anchor="ctr"/>
+          <a:lstStyle/>
+          <a:p>
+            <a:pPr algn="ctr"/>
+            <a:endParaRPr lang="en-US"/>
+          </a:p>
+        </p:txBody>
+      </p:sp>
+      <p:sp>
+        <p:nvSpPr>
+          <p:cNvPr id="4" name="TextBox 3">
+            <a:extLst>
+              <a:ext uri="{FF2B5EF4-FFF2-40B4-BE49-F238E27FC236}">
+                <a16:creationId xmlns:a16="http://schemas.microsoft.com/office/drawing/2014/main" id="{35B64C09-7D1D-6718-6C9D-AAE33A9C111F}"/>
+              </a:ext>
+            </a:extLst>
+          </p:cNvPr>
+          <p:cNvSpPr txBox="1"/>
+          <p:nvPr/>
+        </p:nvSpPr>
+        <p:spPr>
+          <a:xfrm>
+            <a:off x="2883801" y="1357458"/>
+            <a:ext cx="2404635" cy="369332"/>
+          </a:xfrm>
+          <a:prstGeom prst="rect">
+            <a:avLst/>
+          </a:prstGeom>
+          <a:noFill/>
+          <a:ln w="28575">
+            <a:noFill/>
+          </a:ln>
+        </p:spPr>
+        <p:txBody>
+          <a:bodyPr wrap="square" rtlCol="0">
+            <a:spAutoFit/>
+          </a:bodyPr>
+          <a:lstStyle/>
+          <a:p>
+            <a:pPr algn="ctr"/>
+            <a:r>
+              <a:rPr lang="en-US" dirty="0"/>
+              <a:t>DOM</a:t>
+            </a:r>
+            <a:endParaRPr lang="en-US" sz="2667" dirty="0"/>
           </a:p>
         </p:txBody>
       </p:sp>
     </p:spTree>
     <p:extLst>
       <p:ext uri="{BB962C8B-B14F-4D97-AF65-F5344CB8AC3E}">
-        <p14:creationId xmlns:p14="http://schemas.microsoft.com/office/powerpoint/2010/main" val="1755148047"/>
+        <p14:creationId xmlns:p14="http://schemas.microsoft.com/office/powerpoint/2010/main" val="1242760781"/>
+      </p:ext>
+    </p:extLst>
+  </p:cSld>
+  <p:clrMapOvr>
+    <a:masterClrMapping/>
+  </p:clrMapOvr>
+</p:sld>
+</file>
+
+<file path=ppt/slides/slide8.xml><?xml version="1.0" encoding="utf-8"?>
+<p:sld xmlns:a="http://schemas.openxmlformats.org/drawingml/2006/main" xmlns:r="http://schemas.openxmlformats.org/officeDocument/2006/relationships" xmlns:p="http://schemas.openxmlformats.org/presentationml/2006/main">
+  <p:cSld>
+    <p:spTree>
+      <p:nvGrpSpPr>
+        <p:cNvPr id="1" name=""/>
+        <p:cNvGrpSpPr/>
+        <p:nvPr/>
+      </p:nvGrpSpPr>
+      <p:grpSpPr>
+        <a:xfrm>
+          <a:off x="0" y="0"/>
+          <a:ext cx="0" cy="0"/>
+          <a:chOff x="0" y="0"/>
+          <a:chExt cx="0" cy="0"/>
+        </a:xfrm>
+      </p:grpSpPr>
+      <p:sp>
+        <p:nvSpPr>
+          <p:cNvPr id="3" name="Rectangle 2">
+            <a:extLst>
+              <a:ext uri="{FF2B5EF4-FFF2-40B4-BE49-F238E27FC236}">
+                <a16:creationId xmlns:a16="http://schemas.microsoft.com/office/drawing/2014/main" id="{BA9F9EEF-37AA-873D-E7E5-C76573DFCF75}"/>
+              </a:ext>
+            </a:extLst>
+          </p:cNvPr>
+          <p:cNvSpPr/>
+          <p:nvPr/>
+        </p:nvSpPr>
+        <p:spPr>
+          <a:xfrm>
+            <a:off x="3668597" y="1357458"/>
+            <a:ext cx="4647415" cy="4326903"/>
+          </a:xfrm>
+          <a:prstGeom prst="rect">
+            <a:avLst/>
+          </a:prstGeom>
+          <a:noFill/>
+          <a:ln w="28575">
+            <a:solidFill>
+              <a:schemeClr val="tx1"/>
+            </a:solidFill>
+          </a:ln>
+        </p:spPr>
+        <p:style>
+          <a:lnRef idx="2">
+            <a:schemeClr val="accent1">
+              <a:shade val="50000"/>
+            </a:schemeClr>
+          </a:lnRef>
+          <a:fillRef idx="1">
+            <a:schemeClr val="accent1"/>
+          </a:fillRef>
+          <a:effectRef idx="0">
+            <a:schemeClr val="accent1"/>
+          </a:effectRef>
+          <a:fontRef idx="minor">
+            <a:schemeClr val="lt1"/>
+          </a:fontRef>
+        </p:style>
+        <p:txBody>
+          <a:bodyPr rtlCol="0" anchor="ctr"/>
+          <a:lstStyle/>
+          <a:p>
+            <a:pPr algn="ctr"/>
+            <a:endParaRPr lang="en-US"/>
+          </a:p>
+        </p:txBody>
+      </p:sp>
+      <p:sp>
+        <p:nvSpPr>
+          <p:cNvPr id="4" name="TextBox 3">
+            <a:extLst>
+              <a:ext uri="{FF2B5EF4-FFF2-40B4-BE49-F238E27FC236}">
+                <a16:creationId xmlns:a16="http://schemas.microsoft.com/office/drawing/2014/main" id="{35B64C09-7D1D-6718-6C9D-AAE33A9C111F}"/>
+              </a:ext>
+            </a:extLst>
+          </p:cNvPr>
+          <p:cNvSpPr txBox="1"/>
+          <p:nvPr/>
+        </p:nvSpPr>
+        <p:spPr>
+          <a:xfrm>
+            <a:off x="2883801" y="1357458"/>
+            <a:ext cx="2404635" cy="369332"/>
+          </a:xfrm>
+          <a:prstGeom prst="rect">
+            <a:avLst/>
+          </a:prstGeom>
+          <a:noFill/>
+          <a:ln w="28575">
+            <a:noFill/>
+          </a:ln>
+        </p:spPr>
+        <p:txBody>
+          <a:bodyPr wrap="square" rtlCol="0">
+            <a:spAutoFit/>
+          </a:bodyPr>
+          <a:lstStyle/>
+          <a:p>
+            <a:pPr algn="ctr"/>
+            <a:r>
+              <a:rPr lang="en-US" dirty="0"/>
+              <a:t>DOM</a:t>
+            </a:r>
+            <a:endParaRPr lang="en-US" sz="2667" dirty="0"/>
+          </a:p>
+        </p:txBody>
+      </p:sp>
+      <p:sp>
+        <p:nvSpPr>
+          <p:cNvPr id="8" name="TextBox 7">
+            <a:extLst>
+              <a:ext uri="{FF2B5EF4-FFF2-40B4-BE49-F238E27FC236}">
+                <a16:creationId xmlns:a16="http://schemas.microsoft.com/office/drawing/2014/main" id="{2942FD47-C905-4D4A-5E79-08E2E14C4C29}"/>
+              </a:ext>
+            </a:extLst>
+          </p:cNvPr>
+          <p:cNvSpPr txBox="1"/>
+          <p:nvPr/>
+        </p:nvSpPr>
+        <p:spPr>
+          <a:xfrm>
+            <a:off x="777295" y="3177617"/>
+            <a:ext cx="2404635" cy="502766"/>
+          </a:xfrm>
+          <a:prstGeom prst="rect">
+            <a:avLst/>
+          </a:prstGeom>
+          <a:noFill/>
+          <a:ln w="28575">
+            <a:solidFill>
+              <a:schemeClr val="tx1"/>
+            </a:solidFill>
+          </a:ln>
+        </p:spPr>
+        <p:txBody>
+          <a:bodyPr wrap="square" rtlCol="0">
+            <a:spAutoFit/>
+          </a:bodyPr>
+          <a:lstStyle/>
+          <a:p>
+            <a:pPr algn="ctr"/>
+            <a:r>
+              <a:rPr lang="en-US" sz="2667" dirty="0"/>
+              <a:t>Count: 1</a:t>
+            </a:r>
+          </a:p>
+        </p:txBody>
+      </p:sp>
+    </p:spTree>
+    <p:extLst>
+      <p:ext uri="{BB962C8B-B14F-4D97-AF65-F5344CB8AC3E}">
+        <p14:creationId xmlns:p14="http://schemas.microsoft.com/office/powerpoint/2010/main" val="2648940491"/>
+      </p:ext>
+    </p:extLst>
+  </p:cSld>
+  <p:clrMapOvr>
+    <a:masterClrMapping/>
+  </p:clrMapOvr>
+</p:sld>
+</file>
+
+<file path=ppt/slides/slide9.xml><?xml version="1.0" encoding="utf-8"?>
+<p:sld xmlns:a="http://schemas.openxmlformats.org/drawingml/2006/main" xmlns:r="http://schemas.openxmlformats.org/officeDocument/2006/relationships" xmlns:p="http://schemas.openxmlformats.org/presentationml/2006/main">
+  <p:cSld>
+    <p:spTree>
+      <p:nvGrpSpPr>
+        <p:cNvPr id="1" name=""/>
+        <p:cNvGrpSpPr/>
+        <p:nvPr/>
+      </p:nvGrpSpPr>
+      <p:grpSpPr>
+        <a:xfrm>
+          <a:off x="0" y="0"/>
+          <a:ext cx="0" cy="0"/>
+          <a:chOff x="0" y="0"/>
+          <a:chExt cx="0" cy="0"/>
+        </a:xfrm>
+      </p:grpSpPr>
+      <p:sp>
+        <p:nvSpPr>
+          <p:cNvPr id="3" name="Rectangle 2">
+            <a:extLst>
+              <a:ext uri="{FF2B5EF4-FFF2-40B4-BE49-F238E27FC236}">
+                <a16:creationId xmlns:a16="http://schemas.microsoft.com/office/drawing/2014/main" id="{BA9F9EEF-37AA-873D-E7E5-C76573DFCF75}"/>
+              </a:ext>
+            </a:extLst>
+          </p:cNvPr>
+          <p:cNvSpPr/>
+          <p:nvPr/>
+        </p:nvSpPr>
+        <p:spPr>
+          <a:xfrm>
+            <a:off x="3668597" y="1357458"/>
+            <a:ext cx="4647415" cy="4326903"/>
+          </a:xfrm>
+          <a:prstGeom prst="rect">
+            <a:avLst/>
+          </a:prstGeom>
+          <a:noFill/>
+          <a:ln w="28575">
+            <a:solidFill>
+              <a:schemeClr val="tx1"/>
+            </a:solidFill>
+          </a:ln>
+        </p:spPr>
+        <p:style>
+          <a:lnRef idx="2">
+            <a:schemeClr val="accent1">
+              <a:shade val="50000"/>
+            </a:schemeClr>
+          </a:lnRef>
+          <a:fillRef idx="1">
+            <a:schemeClr val="accent1"/>
+          </a:fillRef>
+          <a:effectRef idx="0">
+            <a:schemeClr val="accent1"/>
+          </a:effectRef>
+          <a:fontRef idx="minor">
+            <a:schemeClr val="lt1"/>
+          </a:fontRef>
+        </p:style>
+        <p:txBody>
+          <a:bodyPr rtlCol="0" anchor="ctr"/>
+          <a:lstStyle/>
+          <a:p>
+            <a:pPr algn="ctr"/>
+            <a:endParaRPr lang="en-US"/>
+          </a:p>
+        </p:txBody>
+      </p:sp>
+      <p:sp>
+        <p:nvSpPr>
+          <p:cNvPr id="4" name="TextBox 3">
+            <a:extLst>
+              <a:ext uri="{FF2B5EF4-FFF2-40B4-BE49-F238E27FC236}">
+                <a16:creationId xmlns:a16="http://schemas.microsoft.com/office/drawing/2014/main" id="{35B64C09-7D1D-6718-6C9D-AAE33A9C111F}"/>
+              </a:ext>
+            </a:extLst>
+          </p:cNvPr>
+          <p:cNvSpPr txBox="1"/>
+          <p:nvPr/>
+        </p:nvSpPr>
+        <p:spPr>
+          <a:xfrm>
+            <a:off x="2883801" y="1357458"/>
+            <a:ext cx="2404635" cy="369332"/>
+          </a:xfrm>
+          <a:prstGeom prst="rect">
+            <a:avLst/>
+          </a:prstGeom>
+          <a:noFill/>
+          <a:ln w="28575">
+            <a:noFill/>
+          </a:ln>
+        </p:spPr>
+        <p:txBody>
+          <a:bodyPr wrap="square" rtlCol="0">
+            <a:spAutoFit/>
+          </a:bodyPr>
+          <a:lstStyle/>
+          <a:p>
+            <a:pPr algn="ctr"/>
+            <a:r>
+              <a:rPr lang="en-US" dirty="0"/>
+              <a:t>DOM</a:t>
+            </a:r>
+            <a:endParaRPr lang="en-US" sz="2667" dirty="0"/>
+          </a:p>
+        </p:txBody>
+      </p:sp>
+      <p:sp>
+        <p:nvSpPr>
+          <p:cNvPr id="8" name="TextBox 7">
+            <a:extLst>
+              <a:ext uri="{FF2B5EF4-FFF2-40B4-BE49-F238E27FC236}">
+                <a16:creationId xmlns:a16="http://schemas.microsoft.com/office/drawing/2014/main" id="{2942FD47-C905-4D4A-5E79-08E2E14C4C29}"/>
+              </a:ext>
+            </a:extLst>
+          </p:cNvPr>
+          <p:cNvSpPr txBox="1"/>
+          <p:nvPr/>
+        </p:nvSpPr>
+        <p:spPr>
+          <a:xfrm>
+            <a:off x="4789986" y="3177617"/>
+            <a:ext cx="2404635" cy="502766"/>
+          </a:xfrm>
+          <a:prstGeom prst="rect">
+            <a:avLst/>
+          </a:prstGeom>
+          <a:noFill/>
+          <a:ln w="28575">
+            <a:solidFill>
+              <a:schemeClr val="tx1"/>
+            </a:solidFill>
+          </a:ln>
+        </p:spPr>
+        <p:txBody>
+          <a:bodyPr wrap="square" rtlCol="0">
+            <a:spAutoFit/>
+          </a:bodyPr>
+          <a:lstStyle/>
+          <a:p>
+            <a:pPr algn="ctr"/>
+            <a:r>
+              <a:rPr lang="en-US" sz="2667" dirty="0"/>
+              <a:t>Count: 1</a:t>
+            </a:r>
+          </a:p>
+        </p:txBody>
+      </p:sp>
+    </p:spTree>
+    <p:extLst>
+      <p:ext uri="{BB962C8B-B14F-4D97-AF65-F5344CB8AC3E}">
+        <p14:creationId xmlns:p14="http://schemas.microsoft.com/office/powerpoint/2010/main" val="3286380288"/>
       </p:ext>
     </p:extLst>
   </p:cSld>
